--- a/Tasks/99_課題/01_1027/Tips.pptx
+++ b/Tasks/99_課題/01_1027/Tips.pptx
@@ -5,8 +5,8 @@
     <p:sldMasterId id="2147483660" r:id="rId1"/>
   </p:sldMasterIdLst>
   <p:sldIdLst>
-    <p:sldId id="257" r:id="rId2"/>
-    <p:sldId id="258" r:id="rId3"/>
+    <p:sldId id="259" r:id="rId2"/>
+    <p:sldId id="260" r:id="rId3"/>
   </p:sldIdLst>
   <p:sldSz cx="12192000" cy="6858000"/>
   <p:notesSz cx="6858000" cy="9144000"/>
@@ -105,6 +105,11 @@
       </a:defRPr>
     </a:lvl9pPr>
   </p:defaultTextStyle>
+  <p:extLst>
+    <p:ext uri="{EFAFB233-063F-42B5-8137-9DF3F51BA10A}">
+      <p15:sldGuideLst xmlns:p15="http://schemas.microsoft.com/office/powerpoint/2012/main"/>
+    </p:ext>
+  </p:extLst>
 </p:presentation>
 </file>
 
@@ -4219,10 +4224,10 @@
       </p:grpSpPr>
       <p:sp>
         <p:nvSpPr>
-          <p:cNvPr id="2" name="テキスト ボックス 1">
+          <p:cNvPr id="5" name="テキスト ボックス 4">
             <a:extLst>
               <a:ext uri="{FF2B5EF4-FFF2-40B4-BE49-F238E27FC236}">
-                <a16:creationId xmlns:a16="http://schemas.microsoft.com/office/drawing/2014/main" id="{720558B4-C8A6-BB30-5482-DC24074E9319}"/>
+                <a16:creationId xmlns:a16="http://schemas.microsoft.com/office/drawing/2014/main" id="{B398AB5D-87DE-6305-8220-7E65FCE40517}"/>
               </a:ext>
             </a:extLst>
           </p:cNvPr>
@@ -4231,8 +4236,8 @@
         </p:nvSpPr>
         <p:spPr>
           <a:xfrm>
-            <a:off x="0" y="6331948"/>
-            <a:ext cx="9209174" cy="584775"/>
+            <a:off x="151002" y="167780"/>
+            <a:ext cx="3632726" cy="584775"/>
           </a:xfrm>
           <a:prstGeom prst="rect">
             <a:avLst/>
@@ -4240,69 +4245,6 @@
           <a:noFill/>
         </p:spPr>
         <p:txBody>
-          <a:bodyPr wrap="square" rtlCol="0">
-            <a:spAutoFit/>
-          </a:bodyPr>
-          <a:lstStyle/>
-          <a:p>
-            <a:r>
-              <a:rPr kumimoji="1" lang="en-US" altLang="ja-JP" sz="3200" dirty="0">
-                <a:solidFill>
-                  <a:schemeClr val="bg1"/>
-                </a:solidFill>
-              </a:rPr>
-              <a:t>TIPS</a:t>
-            </a:r>
-            <a:r>
-              <a:rPr kumimoji="1" lang="ja-JP" altLang="en-US" sz="3200" dirty="0">
-                <a:solidFill>
-                  <a:schemeClr val="bg1"/>
-                </a:solidFill>
-              </a:rPr>
-              <a:t> </a:t>
-            </a:r>
-            <a:r>
-              <a:rPr kumimoji="1" lang="en-US" altLang="ja-JP" sz="3200" dirty="0">
-                <a:solidFill>
-                  <a:schemeClr val="bg1"/>
-                </a:solidFill>
-              </a:rPr>
-              <a:t>-  </a:t>
-            </a:r>
-            <a:r>
-              <a:rPr kumimoji="1" lang="ja-JP" altLang="en-US" sz="3200" dirty="0">
-                <a:solidFill>
-                  <a:schemeClr val="bg1"/>
-                </a:solidFill>
-              </a:rPr>
-              <a:t>アイテムまでの距離を比較する関数</a:t>
-            </a:r>
-          </a:p>
-        </p:txBody>
-      </p:sp>
-      <p:sp>
-        <p:nvSpPr>
-          <p:cNvPr id="3" name="テキスト ボックス 2">
-            <a:extLst>
-              <a:ext uri="{FF2B5EF4-FFF2-40B4-BE49-F238E27FC236}">
-                <a16:creationId xmlns:a16="http://schemas.microsoft.com/office/drawing/2014/main" id="{B00F34D4-3303-8561-3985-784371BA01BB}"/>
-              </a:ext>
-            </a:extLst>
-          </p:cNvPr>
-          <p:cNvSpPr txBox="1"/>
-          <p:nvPr/>
-        </p:nvSpPr>
-        <p:spPr>
-          <a:xfrm>
-            <a:off x="0" y="0"/>
-            <a:ext cx="3632726" cy="584775"/>
-          </a:xfrm>
-          <a:prstGeom prst="rect">
-            <a:avLst/>
-          </a:prstGeom>
-          <a:noFill/>
-        </p:spPr>
-        <p:txBody>
           <a:bodyPr wrap="none" rtlCol="0">
             <a:spAutoFit/>
           </a:bodyPr>
@@ -4322,202 +4264,10 @@
       </p:sp>
       <p:sp>
         <p:nvSpPr>
-          <p:cNvPr id="4" name="テキスト ボックス 3">
+          <p:cNvPr id="13" name="直角三角形 12">
             <a:extLst>
               <a:ext uri="{FF2B5EF4-FFF2-40B4-BE49-F238E27FC236}">
-                <a16:creationId xmlns:a16="http://schemas.microsoft.com/office/drawing/2014/main" id="{953A4520-4A2C-FB1B-FB47-D508751CA96B}"/>
-              </a:ext>
-            </a:extLst>
-          </p:cNvPr>
-          <p:cNvSpPr txBox="1"/>
-          <p:nvPr/>
-        </p:nvSpPr>
-        <p:spPr>
-          <a:xfrm>
-            <a:off x="864066" y="699637"/>
-            <a:ext cx="9840286" cy="5632311"/>
-          </a:xfrm>
-          <a:prstGeom prst="rect">
-            <a:avLst/>
-          </a:prstGeom>
-          <a:noFill/>
-        </p:spPr>
-        <p:txBody>
-          <a:bodyPr wrap="square" rtlCol="0">
-            <a:spAutoFit/>
-          </a:bodyPr>
-          <a:lstStyle/>
-          <a:p>
-            <a:r>
-              <a:rPr kumimoji="1" lang="en-US" altLang="ja-JP" dirty="0"/>
-              <a:t>//</a:t>
-            </a:r>
-            <a:r>
-              <a:rPr kumimoji="1" lang="ja-JP" altLang="en-US" dirty="0"/>
-              <a:t>一番近いアイテムまでの距離の関数</a:t>
-            </a:r>
-            <a:endParaRPr kumimoji="1" lang="en-US" altLang="ja-JP" dirty="0"/>
-          </a:p>
-          <a:p>
-            <a:r>
-              <a:rPr kumimoji="1" lang="en-US" altLang="ja-JP" dirty="0"/>
-              <a:t>Public void GetNearItemDistance(Items item[]) {</a:t>
-            </a:r>
-          </a:p>
-          <a:p>
-            <a:r>
-              <a:rPr kumimoji="1" lang="en-US" altLang="ja-JP" dirty="0"/>
-              <a:t>	//</a:t>
-            </a:r>
-            <a:r>
-              <a:rPr kumimoji="1" lang="ja-JP" altLang="en-US" dirty="0"/>
-              <a:t>プレイヤーの座標を取得</a:t>
-            </a:r>
-            <a:r>
-              <a:rPr kumimoji="1" lang="en-US" altLang="ja-JP" dirty="0"/>
-              <a:t>(</a:t>
-            </a:r>
-            <a:r>
-              <a:rPr kumimoji="1" lang="ja-JP" altLang="en-US" dirty="0"/>
-              <a:t>関数は自分の用意してください</a:t>
-            </a:r>
-            <a:r>
-              <a:rPr kumimoji="1" lang="en-US" altLang="ja-JP" dirty="0"/>
-              <a:t>)</a:t>
-            </a:r>
-            <a:br>
-              <a:rPr kumimoji="1" lang="en-US" altLang="ja-JP" dirty="0"/>
-            </a:br>
-            <a:r>
-              <a:rPr kumimoji="1" lang="en-US" altLang="ja-JP" dirty="0"/>
-              <a:t>	int player_x = player.getPositionX();</a:t>
-            </a:r>
-          </a:p>
-          <a:p>
-            <a:r>
-              <a:rPr kumimoji="1" lang="en-US" altLang="ja-JP" dirty="0"/>
-              <a:t>	int player_y = player.getPositionY();</a:t>
-            </a:r>
-          </a:p>
-          <a:p>
-            <a:r>
-              <a:rPr kumimoji="1" lang="en-US" altLang="ja-JP" dirty="0"/>
-              <a:t>	//</a:t>
-            </a:r>
-            <a:r>
-              <a:rPr kumimoji="1" lang="ja-JP" altLang="en-US" dirty="0"/>
-              <a:t>距離比較のための関数</a:t>
-            </a:r>
-            <a:endParaRPr kumimoji="1" lang="en-US" altLang="ja-JP" dirty="0"/>
-          </a:p>
-          <a:p>
-            <a:r>
-              <a:rPr kumimoji="1" lang="en-US" altLang="ja-JP" dirty="0"/>
-              <a:t>	int min = INT_MAX;</a:t>
-            </a:r>
-          </a:p>
-          <a:p>
-            <a:endParaRPr kumimoji="1" lang="en-US" altLang="ja-JP" dirty="0"/>
-          </a:p>
-          <a:p>
-            <a:r>
-              <a:rPr kumimoji="1" lang="en-US" altLang="ja-JP" dirty="0"/>
-              <a:t>	//</a:t>
-            </a:r>
-            <a:r>
-              <a:rPr kumimoji="1" lang="ja-JP" altLang="en-US" dirty="0"/>
-              <a:t>アイテムの位置関係を総当たりし、比較する</a:t>
-            </a:r>
-            <a:endParaRPr kumimoji="1" lang="en-US" altLang="ja-JP" dirty="0"/>
-          </a:p>
-          <a:p>
-            <a:r>
-              <a:rPr kumimoji="1" lang="en-US" altLang="ja-JP" dirty="0"/>
-              <a:t>	foreach(Items it in  item) {</a:t>
-            </a:r>
-          </a:p>
-          <a:p>
-            <a:r>
-              <a:rPr kumimoji="1" lang="en-US" altLang="ja-JP" dirty="0"/>
-              <a:t>		//</a:t>
-            </a:r>
-            <a:r>
-              <a:rPr kumimoji="1" lang="ja-JP" altLang="en-US" dirty="0"/>
-              <a:t>アイテムの座標を取得</a:t>
-            </a:r>
-            <a:r>
-              <a:rPr kumimoji="1" lang="en-US" altLang="ja-JP" dirty="0"/>
-              <a:t>(</a:t>
-            </a:r>
-            <a:r>
-              <a:rPr kumimoji="1" lang="ja-JP" altLang="en-US" dirty="0"/>
-              <a:t>関数は自分の用意してください</a:t>
-            </a:r>
-            <a:r>
-              <a:rPr kumimoji="1" lang="en-US" altLang="ja-JP" dirty="0"/>
-              <a:t>)</a:t>
-            </a:r>
-          </a:p>
-          <a:p>
-            <a:r>
-              <a:rPr kumimoji="1" lang="en-US" altLang="ja-JP" dirty="0"/>
-              <a:t>		int item_x = it.getPositionX();</a:t>
-            </a:r>
-          </a:p>
-          <a:p>
-            <a:r>
-              <a:rPr kumimoji="1" lang="en-US" altLang="ja-JP" dirty="0"/>
-              <a:t>		int item_y = it.getPositionY();</a:t>
-            </a:r>
-          </a:p>
-          <a:p>
-            <a:endParaRPr kumimoji="1" lang="en-US" altLang="ja-JP" dirty="0"/>
-          </a:p>
-          <a:p>
-            <a:r>
-              <a:rPr kumimoji="1" lang="en-US" altLang="ja-JP" dirty="0"/>
-              <a:t>		int dist = Math.sqrt(Math.Pow(player_x – item_x , 2) + Math.Pow(player_y – item_y, 2));</a:t>
-            </a:r>
-          </a:p>
-          <a:p>
-            <a:r>
-              <a:rPr kumimoji="1" lang="en-US" altLang="ja-JP" dirty="0"/>
-              <a:t>		min = Math.Min(min, dist);</a:t>
-            </a:r>
-          </a:p>
-          <a:p>
-            <a:r>
-              <a:rPr kumimoji="1" lang="en-US" altLang="ja-JP" dirty="0"/>
-              <a:t>	}</a:t>
-            </a:r>
-          </a:p>
-          <a:p>
-            <a:r>
-              <a:rPr kumimoji="1" lang="en-US" altLang="ja-JP" dirty="0"/>
-              <a:t>	</a:t>
-            </a:r>
-          </a:p>
-          <a:p>
-            <a:r>
-              <a:rPr kumimoji="1" lang="en-US" altLang="ja-JP" dirty="0"/>
-              <a:t>	return min;</a:t>
-            </a:r>
-          </a:p>
-          <a:p>
-            <a:r>
-              <a:rPr kumimoji="1" lang="en-US" altLang="ja-JP" dirty="0"/>
-              <a:t>}</a:t>
-            </a:r>
-            <a:endParaRPr kumimoji="1" lang="ja-JP" altLang="en-US" dirty="0"/>
-          </a:p>
-        </p:txBody>
-      </p:sp>
-      <p:sp>
-        <p:nvSpPr>
-          <p:cNvPr id="5" name="直角三角形 4">
-            <a:extLst>
-              <a:ext uri="{FF2B5EF4-FFF2-40B4-BE49-F238E27FC236}">
-                <a16:creationId xmlns:a16="http://schemas.microsoft.com/office/drawing/2014/main" id="{5889E11E-1037-E06C-2ED1-2ED870A70377}"/>
+                <a16:creationId xmlns:a16="http://schemas.microsoft.com/office/drawing/2014/main" id="{8C4DF421-5210-5564-F6F5-732BCA9A42A3}"/>
               </a:ext>
             </a:extLst>
           </p:cNvPr>
@@ -4526,7 +4276,7 @@
         </p:nvSpPr>
         <p:spPr>
           <a:xfrm rot="16200000">
-            <a:off x="8563301" y="202404"/>
+            <a:off x="8907249" y="3096078"/>
             <a:ext cx="2476500" cy="3052765"/>
           </a:xfrm>
           <a:prstGeom prst="rtTriangle">
@@ -4560,10 +4310,10 @@
       </p:sp>
       <p:sp>
         <p:nvSpPr>
-          <p:cNvPr id="6" name="テキスト ボックス 5">
+          <p:cNvPr id="14" name="テキスト ボックス 13">
             <a:extLst>
               <a:ext uri="{FF2B5EF4-FFF2-40B4-BE49-F238E27FC236}">
-                <a16:creationId xmlns:a16="http://schemas.microsoft.com/office/drawing/2014/main" id="{548B82FA-65CC-3F63-BAAC-373C89593695}"/>
+                <a16:creationId xmlns:a16="http://schemas.microsoft.com/office/drawing/2014/main" id="{B772B3F4-EDAD-A949-1AA0-C10ABFF2270F}"/>
               </a:ext>
             </a:extLst>
           </p:cNvPr>
@@ -4572,7 +4322,7 @@
         </p:nvSpPr>
         <p:spPr>
           <a:xfrm>
-            <a:off x="7427314" y="3013285"/>
+            <a:off x="7771262" y="5906959"/>
             <a:ext cx="2401619" cy="369332"/>
           </a:xfrm>
           <a:prstGeom prst="rect">
@@ -4600,10 +4350,10 @@
       </p:sp>
       <p:sp>
         <p:nvSpPr>
-          <p:cNvPr id="7" name="テキスト ボックス 6">
+          <p:cNvPr id="15" name="テキスト ボックス 14">
             <a:extLst>
               <a:ext uri="{FF2B5EF4-FFF2-40B4-BE49-F238E27FC236}">
-                <a16:creationId xmlns:a16="http://schemas.microsoft.com/office/drawing/2014/main" id="{79010844-2A48-CA32-82F8-84654A13CF4D}"/>
+                <a16:creationId xmlns:a16="http://schemas.microsoft.com/office/drawing/2014/main" id="{899EA53B-99F6-ABB4-9CC7-9AAB9D75435E}"/>
               </a:ext>
             </a:extLst>
           </p:cNvPr>
@@ -4612,7 +4362,7 @@
         </p:nvSpPr>
         <p:spPr>
           <a:xfrm>
-            <a:off x="9801551" y="121204"/>
+            <a:off x="10000374" y="2936363"/>
             <a:ext cx="2191626" cy="369332"/>
           </a:xfrm>
           <a:prstGeom prst="rect">
@@ -4640,10 +4390,10 @@
       </p:sp>
       <p:sp>
         <p:nvSpPr>
-          <p:cNvPr id="9" name="テキスト ボックス 8">
+          <p:cNvPr id="16" name="テキスト ボックス 15">
             <a:extLst>
               <a:ext uri="{FF2B5EF4-FFF2-40B4-BE49-F238E27FC236}">
-                <a16:creationId xmlns:a16="http://schemas.microsoft.com/office/drawing/2014/main" id="{00BD6AE2-72D5-6C84-DC8B-8156453D436C}"/>
+                <a16:creationId xmlns:a16="http://schemas.microsoft.com/office/drawing/2014/main" id="{CB82A4AF-486C-1983-2BFF-FF3ACE521E3D}"/>
               </a:ext>
             </a:extLst>
           </p:cNvPr>
@@ -4652,7 +4402,7 @@
         </p:nvSpPr>
         <p:spPr>
           <a:xfrm>
-            <a:off x="7825735" y="1250988"/>
+            <a:off x="8169683" y="4144662"/>
             <a:ext cx="1685077" cy="369332"/>
           </a:xfrm>
           <a:prstGeom prst="rect">
@@ -4672,18 +4422,22 @@
             </a:r>
             <a:r>
               <a:rPr kumimoji="1" lang="en-US" altLang="ja-JP" dirty="0"/>
-              <a:t>: 1.41</a:t>
-            </a:r>
-            <a:endParaRPr kumimoji="1" lang="ja-JP" altLang="en-US" dirty="0"/>
-          </a:p>
-        </p:txBody>
-      </p:sp>
-      <p:sp>
-        <p:nvSpPr>
-          <p:cNvPr id="10" name="テキスト ボックス 9">
+              <a:t>: </a:t>
+            </a:r>
+            <a:r>
+              <a:rPr kumimoji="1" lang="en-US" altLang="ja-JP" u="sng" dirty="0"/>
+              <a:t>1.41</a:t>
+            </a:r>
+            <a:endParaRPr kumimoji="1" lang="ja-JP" altLang="en-US" u="sng" dirty="0"/>
+          </a:p>
+        </p:txBody>
+      </p:sp>
+      <p:sp>
+        <p:nvSpPr>
+          <p:cNvPr id="17" name="テキスト ボックス 16">
             <a:extLst>
               <a:ext uri="{FF2B5EF4-FFF2-40B4-BE49-F238E27FC236}">
-                <a16:creationId xmlns:a16="http://schemas.microsoft.com/office/drawing/2014/main" id="{E8190F25-E9E8-3E7C-0310-7A99A800840B}"/>
+                <a16:creationId xmlns:a16="http://schemas.microsoft.com/office/drawing/2014/main" id="{25689F6D-574A-419F-7333-3B92F52F497F}"/>
               </a:ext>
             </a:extLst>
           </p:cNvPr>
@@ -4692,7 +4446,7 @@
         </p:nvSpPr>
         <p:spPr>
           <a:xfrm>
-            <a:off x="9102085" y="1079614"/>
+            <a:off x="9446033" y="3973288"/>
             <a:ext cx="242374" cy="369332"/>
           </a:xfrm>
           <a:prstGeom prst="rect">
@@ -4716,10 +4470,10 @@
       </p:sp>
       <p:sp>
         <p:nvSpPr>
-          <p:cNvPr id="11" name="テキスト ボックス 10">
+          <p:cNvPr id="18" name="テキスト ボックス 17">
             <a:extLst>
               <a:ext uri="{FF2B5EF4-FFF2-40B4-BE49-F238E27FC236}">
-                <a16:creationId xmlns:a16="http://schemas.microsoft.com/office/drawing/2014/main" id="{53496ED9-9B66-A6F1-6797-668A27C34DEB}"/>
+                <a16:creationId xmlns:a16="http://schemas.microsoft.com/office/drawing/2014/main" id="{6B6273B3-591D-0E77-1642-D3CAB17A4939}"/>
               </a:ext>
             </a:extLst>
           </p:cNvPr>
@@ -4728,7 +4482,7 @@
         </p:nvSpPr>
         <p:spPr>
           <a:xfrm>
-            <a:off x="9209174" y="1079614"/>
+            <a:off x="9553122" y="3973288"/>
             <a:ext cx="242374" cy="369332"/>
           </a:xfrm>
           <a:prstGeom prst="rect">
@@ -4750,10 +4504,417 @@
           </a:p>
         </p:txBody>
       </p:sp>
+      <p:sp>
+        <p:nvSpPr>
+          <p:cNvPr id="19" name="テキスト ボックス 18">
+            <a:extLst>
+              <a:ext uri="{FF2B5EF4-FFF2-40B4-BE49-F238E27FC236}">
+                <a16:creationId xmlns:a16="http://schemas.microsoft.com/office/drawing/2014/main" id="{1E9CC12D-8040-CDAD-DCC7-E92C8FC1CC10}"/>
+              </a:ext>
+            </a:extLst>
+          </p:cNvPr>
+          <p:cNvSpPr txBox="1"/>
+          <p:nvPr/>
+        </p:nvSpPr>
+        <p:spPr>
+          <a:xfrm>
+            <a:off x="631214" y="5214380"/>
+            <a:ext cx="5883342" cy="646331"/>
+          </a:xfrm>
+          <a:prstGeom prst="rect">
+            <a:avLst/>
+          </a:prstGeom>
+          <a:noFill/>
+        </p:spPr>
+        <p:txBody>
+          <a:bodyPr wrap="none" rtlCol="0">
+            <a:spAutoFit/>
+          </a:bodyPr>
+          <a:lstStyle/>
+          <a:p>
+            <a:r>
+              <a:rPr kumimoji="1" lang="ja-JP" altLang="en-US" dirty="0"/>
+              <a:t>プレイヤーの位置座標とアイテムの位置座標を</a:t>
+            </a:r>
+            <a:r>
+              <a:rPr kumimoji="1" lang="en-US" altLang="ja-JP" dirty="0"/>
+              <a:t>2</a:t>
+            </a:r>
+            <a:r>
+              <a:rPr kumimoji="1" lang="ja-JP" altLang="en-US" dirty="0"/>
+              <a:t>次元配列</a:t>
+            </a:r>
+            <a:endParaRPr kumimoji="1" lang="en-US" altLang="ja-JP" dirty="0"/>
+          </a:p>
+          <a:p>
+            <a:r>
+              <a:rPr kumimoji="1" lang="ja-JP" altLang="en-US" dirty="0"/>
+              <a:t>に格納することで二点間の距離を計算することができる。</a:t>
+            </a:r>
+          </a:p>
+        </p:txBody>
+      </p:sp>
+      <p:sp>
+        <p:nvSpPr>
+          <p:cNvPr id="20" name="テキスト ボックス 19">
+            <a:extLst>
+              <a:ext uri="{FF2B5EF4-FFF2-40B4-BE49-F238E27FC236}">
+                <a16:creationId xmlns:a16="http://schemas.microsoft.com/office/drawing/2014/main" id="{B327B1EE-FDBE-290F-ACDC-24107B71C3FF}"/>
+              </a:ext>
+            </a:extLst>
+          </p:cNvPr>
+          <p:cNvSpPr txBox="1"/>
+          <p:nvPr/>
+        </p:nvSpPr>
+        <p:spPr>
+          <a:xfrm>
+            <a:off x="7816336" y="290890"/>
+            <a:ext cx="4462825" cy="1938992"/>
+          </a:xfrm>
+          <a:prstGeom prst="rect">
+            <a:avLst/>
+          </a:prstGeom>
+          <a:noFill/>
+        </p:spPr>
+        <p:txBody>
+          <a:bodyPr wrap="none" rtlCol="0">
+            <a:spAutoFit/>
+          </a:bodyPr>
+          <a:lstStyle/>
+          <a:p>
+            <a:r>
+              <a:rPr kumimoji="1" lang="en-US" altLang="ja-JP" dirty="0"/>
+              <a:t>Math.Sqrt … </a:t>
+            </a:r>
+            <a:r>
+              <a:rPr kumimoji="1" lang="ja-JP" altLang="en-US" dirty="0"/>
+              <a:t>平方根を計算してくれる</a:t>
+            </a:r>
+            <a:endParaRPr kumimoji="1" lang="en-US" altLang="ja-JP" dirty="0"/>
+          </a:p>
+          <a:p>
+            <a:r>
+              <a:rPr kumimoji="1" lang="en-US" altLang="ja-JP" dirty="0"/>
+              <a:t>Math.Pow … </a:t>
+            </a:r>
+            <a:r>
+              <a:rPr kumimoji="1" lang="ja-JP" altLang="en-US" dirty="0"/>
+              <a:t>第一引数を第二引数の数だけ</a:t>
+            </a:r>
+            <a:endParaRPr kumimoji="1" lang="en-US" altLang="ja-JP" dirty="0"/>
+          </a:p>
+          <a:p>
+            <a:r>
+              <a:rPr kumimoji="1" lang="en-US" altLang="ja-JP" dirty="0"/>
+              <a:t>		</a:t>
+            </a:r>
+            <a:r>
+              <a:rPr kumimoji="1" lang="ja-JP" altLang="en-US" dirty="0"/>
+              <a:t>　　累乗してくれる。</a:t>
+            </a:r>
+            <a:endParaRPr kumimoji="1" lang="en-US" altLang="ja-JP" dirty="0"/>
+          </a:p>
+          <a:p>
+            <a:r>
+              <a:rPr kumimoji="1" lang="en-US" altLang="ja-JP" dirty="0"/>
+              <a:t>Math.Min … </a:t>
+            </a:r>
+            <a:r>
+              <a:rPr kumimoji="1" lang="ja-JP" altLang="en-US" dirty="0"/>
+              <a:t>第一引数と第二引数を比較し、</a:t>
+            </a:r>
+            <a:endParaRPr kumimoji="1" lang="en-US" altLang="ja-JP" dirty="0"/>
+          </a:p>
+          <a:p>
+            <a:r>
+              <a:rPr kumimoji="1" lang="en-US" altLang="ja-JP" dirty="0"/>
+              <a:t>		</a:t>
+            </a:r>
+            <a:r>
+              <a:rPr kumimoji="1" lang="ja-JP" altLang="en-US" dirty="0"/>
+              <a:t>　　小さい値を返す。</a:t>
+            </a:r>
+            <a:endParaRPr kumimoji="1" lang="en-US" altLang="ja-JP" dirty="0"/>
+          </a:p>
+          <a:p>
+            <a:endParaRPr kumimoji="1" lang="en-US" altLang="ja-JP" dirty="0"/>
+          </a:p>
+          <a:p>
+            <a:r>
+              <a:rPr kumimoji="1" lang="en-US" altLang="ja-JP" sz="1100" dirty="0">
+                <a:solidFill>
+                  <a:srgbClr val="FF0000"/>
+                </a:solidFill>
+              </a:rPr>
+              <a:t>※</a:t>
+            </a:r>
+            <a:r>
+              <a:rPr kumimoji="1" lang="ja-JP" altLang="en-US" sz="1100" dirty="0">
+                <a:solidFill>
+                  <a:srgbClr val="FF0000"/>
+                </a:solidFill>
+              </a:rPr>
+              <a:t> </a:t>
+            </a:r>
+            <a:r>
+              <a:rPr kumimoji="1" lang="en-US" altLang="ja-JP" sz="1200" dirty="0">
+                <a:solidFill>
+                  <a:srgbClr val="FF0000"/>
+                </a:solidFill>
+              </a:rPr>
+              <a:t>Pow()</a:t>
+            </a:r>
+            <a:r>
+              <a:rPr kumimoji="1" lang="ja-JP" altLang="en-US" sz="1200" dirty="0">
+                <a:solidFill>
+                  <a:srgbClr val="FF0000"/>
+                </a:solidFill>
+              </a:rPr>
+              <a:t>関数と</a:t>
+            </a:r>
+            <a:r>
+              <a:rPr kumimoji="1" lang="en-US" altLang="ja-JP" sz="1200" dirty="0">
+                <a:solidFill>
+                  <a:srgbClr val="FF0000"/>
+                </a:solidFill>
+              </a:rPr>
+              <a:t> float</a:t>
+            </a:r>
+            <a:r>
+              <a:rPr kumimoji="1" lang="ja-JP" altLang="en-US" sz="1200" dirty="0">
+                <a:solidFill>
+                  <a:srgbClr val="FF0000"/>
+                </a:solidFill>
+              </a:rPr>
+              <a:t>型は</a:t>
+            </a:r>
+            <a:r>
+              <a:rPr kumimoji="1" lang="en-US" altLang="ja-JP" sz="1200" dirty="0">
+                <a:solidFill>
+                  <a:srgbClr val="FF0000"/>
+                </a:solidFill>
+              </a:rPr>
+              <a:t> </a:t>
+            </a:r>
+            <a:r>
+              <a:rPr kumimoji="1" lang="ja-JP" altLang="en-US" sz="1200" dirty="0">
+                <a:solidFill>
+                  <a:srgbClr val="FF0000"/>
+                </a:solidFill>
+              </a:rPr>
+              <a:t>精度が悪いため極力使わないほうが良い</a:t>
+            </a:r>
+            <a:endParaRPr kumimoji="1" lang="en-US" altLang="ja-JP" sz="1200" dirty="0">
+              <a:solidFill>
+                <a:srgbClr val="FF0000"/>
+              </a:solidFill>
+            </a:endParaRPr>
+          </a:p>
+        </p:txBody>
+      </p:sp>
+      <p:pic>
+        <p:nvPicPr>
+          <p:cNvPr id="22" name="図 21">
+            <a:extLst>
+              <a:ext uri="{FF2B5EF4-FFF2-40B4-BE49-F238E27FC236}">
+                <a16:creationId xmlns:a16="http://schemas.microsoft.com/office/drawing/2014/main" id="{0B80125F-884D-5A7A-0297-E54745236579}"/>
+              </a:ext>
+            </a:extLst>
+          </p:cNvPr>
+          <p:cNvPicPr>
+            <a:picLocks noChangeAspect="1"/>
+          </p:cNvPicPr>
+          <p:nvPr/>
+        </p:nvPicPr>
+        <p:blipFill>
+          <a:blip r:embed="rId2"/>
+          <a:stretch>
+            <a:fillRect/>
+          </a:stretch>
+        </p:blipFill>
+        <p:spPr>
+          <a:xfrm>
+            <a:off x="259003" y="997289"/>
+            <a:ext cx="7497221" cy="3810532"/>
+          </a:xfrm>
+          <a:prstGeom prst="rect">
+            <a:avLst/>
+          </a:prstGeom>
+        </p:spPr>
+      </p:pic>
+      <p:cxnSp>
+        <p:nvCxnSpPr>
+          <p:cNvPr id="24" name="直線矢印コネクタ 23">
+            <a:extLst>
+              <a:ext uri="{FF2B5EF4-FFF2-40B4-BE49-F238E27FC236}">
+                <a16:creationId xmlns:a16="http://schemas.microsoft.com/office/drawing/2014/main" id="{1319DBC3-FA32-C755-970E-C1B9D4DA94C7}"/>
+              </a:ext>
+            </a:extLst>
+          </p:cNvPr>
+          <p:cNvCxnSpPr>
+            <a:cxnSpLocks/>
+          </p:cNvCxnSpPr>
+          <p:nvPr/>
+        </p:nvCxnSpPr>
+        <p:spPr>
+          <a:xfrm flipV="1">
+            <a:off x="8576927" y="3395365"/>
+            <a:ext cx="2762027" cy="2237258"/>
+          </a:xfrm>
+          <a:prstGeom prst="straightConnector1">
+            <a:avLst/>
+          </a:prstGeom>
+          <a:ln w="28575">
+            <a:tailEnd type="triangle"/>
+          </a:ln>
+        </p:spPr>
+        <p:style>
+          <a:lnRef idx="1">
+            <a:schemeClr val="accent1"/>
+          </a:lnRef>
+          <a:fillRef idx="0">
+            <a:schemeClr val="accent1"/>
+          </a:fillRef>
+          <a:effectRef idx="0">
+            <a:schemeClr val="accent1"/>
+          </a:effectRef>
+          <a:fontRef idx="minor">
+            <a:schemeClr val="tx1"/>
+          </a:fontRef>
+        </p:style>
+      </p:cxnSp>
+      <p:sp>
+        <p:nvSpPr>
+          <p:cNvPr id="31" name="フローチャート: 結合子 30">
+            <a:extLst>
+              <a:ext uri="{FF2B5EF4-FFF2-40B4-BE49-F238E27FC236}">
+                <a16:creationId xmlns:a16="http://schemas.microsoft.com/office/drawing/2014/main" id="{B1834D46-982C-883A-1F28-AD2834902970}"/>
+              </a:ext>
+            </a:extLst>
+          </p:cNvPr>
+          <p:cNvSpPr/>
+          <p:nvPr/>
+        </p:nvSpPr>
+        <p:spPr>
+          <a:xfrm>
+            <a:off x="11585275" y="3337962"/>
+            <a:ext cx="160923" cy="123305"/>
+          </a:xfrm>
+          <a:prstGeom prst="flowChartConnector">
+            <a:avLst/>
+          </a:prstGeom>
+        </p:spPr>
+        <p:style>
+          <a:lnRef idx="2">
+            <a:schemeClr val="accent1">
+              <a:shade val="15000"/>
+            </a:schemeClr>
+          </a:lnRef>
+          <a:fillRef idx="1">
+            <a:schemeClr val="accent1"/>
+          </a:fillRef>
+          <a:effectRef idx="0">
+            <a:schemeClr val="accent1"/>
+          </a:effectRef>
+          <a:fontRef idx="minor">
+            <a:schemeClr val="lt1"/>
+          </a:fontRef>
+        </p:style>
+        <p:txBody>
+          <a:bodyPr rtlCol="0" anchor="ctr"/>
+          <a:lstStyle/>
+          <a:p>
+            <a:pPr algn="ctr"/>
+            <a:endParaRPr kumimoji="1" lang="ja-JP" altLang="en-US"/>
+          </a:p>
+        </p:txBody>
+      </p:sp>
+      <p:sp>
+        <p:nvSpPr>
+          <p:cNvPr id="32" name="フローチャート: 結合子 31">
+            <a:extLst>
+              <a:ext uri="{FF2B5EF4-FFF2-40B4-BE49-F238E27FC236}">
+                <a16:creationId xmlns:a16="http://schemas.microsoft.com/office/drawing/2014/main" id="{3E9729EA-F606-B05A-40D0-2B76CCA991F2}"/>
+              </a:ext>
+            </a:extLst>
+          </p:cNvPr>
+          <p:cNvSpPr/>
+          <p:nvPr/>
+        </p:nvSpPr>
+        <p:spPr>
+          <a:xfrm>
+            <a:off x="8538654" y="5799058"/>
+            <a:ext cx="160923" cy="123305"/>
+          </a:xfrm>
+          <a:prstGeom prst="flowChartConnector">
+            <a:avLst/>
+          </a:prstGeom>
+        </p:spPr>
+        <p:style>
+          <a:lnRef idx="2">
+            <a:schemeClr val="accent1">
+              <a:shade val="15000"/>
+            </a:schemeClr>
+          </a:lnRef>
+          <a:fillRef idx="1">
+            <a:schemeClr val="accent1"/>
+          </a:fillRef>
+          <a:effectRef idx="0">
+            <a:schemeClr val="accent1"/>
+          </a:effectRef>
+          <a:fontRef idx="minor">
+            <a:schemeClr val="lt1"/>
+          </a:fontRef>
+        </p:style>
+        <p:txBody>
+          <a:bodyPr rtlCol="0" anchor="ctr"/>
+          <a:lstStyle/>
+          <a:p>
+            <a:pPr algn="ctr"/>
+            <a:endParaRPr kumimoji="1" lang="ja-JP" altLang="en-US"/>
+          </a:p>
+        </p:txBody>
+      </p:sp>
+      <p:sp>
+        <p:nvSpPr>
+          <p:cNvPr id="33" name="テキスト ボックス 32">
+            <a:extLst>
+              <a:ext uri="{FF2B5EF4-FFF2-40B4-BE49-F238E27FC236}">
+                <a16:creationId xmlns:a16="http://schemas.microsoft.com/office/drawing/2014/main" id="{ED39BEC5-44B0-F8F3-8BF0-2AF62C530554}"/>
+              </a:ext>
+            </a:extLst>
+          </p:cNvPr>
+          <p:cNvSpPr txBox="1"/>
+          <p:nvPr/>
+        </p:nvSpPr>
+        <p:spPr>
+          <a:xfrm>
+            <a:off x="0" y="6334780"/>
+            <a:ext cx="769634" cy="523220"/>
+          </a:xfrm>
+          <a:prstGeom prst="rect">
+            <a:avLst/>
+          </a:prstGeom>
+          <a:noFill/>
+        </p:spPr>
+        <p:txBody>
+          <a:bodyPr wrap="none" rtlCol="0">
+            <a:spAutoFit/>
+          </a:bodyPr>
+          <a:lstStyle/>
+          <a:p>
+            <a:r>
+              <a:rPr kumimoji="1" lang="en-US" altLang="ja-JP" sz="2800" dirty="0"/>
+              <a:t>Tips</a:t>
+            </a:r>
+            <a:endParaRPr kumimoji="1" lang="ja-JP" altLang="en-US" sz="2800" dirty="0"/>
+          </a:p>
+        </p:txBody>
+      </p:sp>
     </p:spTree>
     <p:extLst>
       <p:ext uri="{BB962C8B-B14F-4D97-AF65-F5344CB8AC3E}">
-        <p14:creationId xmlns:p14="http://schemas.microsoft.com/office/powerpoint/2010/main" val="3328435027"/>
+        <p14:creationId xmlns:p14="http://schemas.microsoft.com/office/powerpoint/2010/main" val="1226752963"/>
       </p:ext>
     </p:extLst>
   </p:cSld>
@@ -4785,7 +4946,7 @@
           <p:cNvPr id="3" name="図 2">
             <a:extLst>
               <a:ext uri="{FF2B5EF4-FFF2-40B4-BE49-F238E27FC236}">
-                <a16:creationId xmlns:a16="http://schemas.microsoft.com/office/drawing/2014/main" id="{EFA0209E-5BA7-EC35-7626-6D3ADE05F474}"/>
+                <a16:creationId xmlns:a16="http://schemas.microsoft.com/office/drawing/2014/main" id="{38E59A84-26DB-16CF-E27D-6C1C9A005C76}"/>
               </a:ext>
             </a:extLst>
           </p:cNvPr>
@@ -4802,8 +4963,8 @@
         </p:blipFill>
         <p:spPr>
           <a:xfrm>
-            <a:off x="4762" y="0"/>
-            <a:ext cx="12182475" cy="6858000"/>
+            <a:off x="0" y="0"/>
+            <a:ext cx="12192000" cy="6858000"/>
           </a:xfrm>
           <a:prstGeom prst="rect">
             <a:avLst/>
@@ -4813,7 +4974,7 @@
     </p:spTree>
     <p:extLst>
       <p:ext uri="{BB962C8B-B14F-4D97-AF65-F5344CB8AC3E}">
-        <p14:creationId xmlns:p14="http://schemas.microsoft.com/office/powerpoint/2010/main" val="1998807495"/>
+        <p14:creationId xmlns:p14="http://schemas.microsoft.com/office/powerpoint/2010/main" val="1746246528"/>
       </p:ext>
     </p:extLst>
   </p:cSld>
